--- a/이관구/포트폴리오 - 이관구.pptx
+++ b/이관구/포트폴리오 - 이관구.pptx
@@ -235,7 +235,7 @@
                 <a:latin typeface="맑은 고딕" panose="020B0503020000020004" pitchFamily="50" charset="-127"/>
                 <a:ea typeface="맑은 고딕" panose="020B0503020000020004" pitchFamily="50" charset="-127"/>
               </a:rPr>
-              <a:t>2018-09-27</a:t>
+              <a:t>2018-10-24</a:t>
             </a:fld>
             <a:endParaRPr lang="ko-KR" altLang="en-US" dirty="0">
               <a:latin typeface="맑은 고딕" panose="020B0503020000020004" pitchFamily="50" charset="-127"/>
@@ -421,7 +421,7 @@
             <a:fld id="{AC4B8597-254F-49AD-A3EA-87B1F2810CBA}" type="datetime1">
               <a:rPr lang="ko-KR" altLang="en-US" smtClean="0"/>
               <a:pPr/>
-              <a:t>2018-09-27</a:t>
+              <a:t>2018-10-24</a:t>
             </a:fld>
             <a:endParaRPr lang="ko-KR" altLang="en-US" dirty="0"/>
           </a:p>
@@ -1437,7 +1437,7 @@
           <a:p>
             <a:fld id="{A213187B-E433-47CF-B5B9-9745973B6A3E}" type="datetime1">
               <a:rPr lang="ko-KR" altLang="en-US" smtClean="0"/>
-              <a:t>2018-09-27</a:t>
+              <a:t>2018-10-24</a:t>
             </a:fld>
             <a:endParaRPr lang="ko-KR" altLang="en-US" dirty="0"/>
           </a:p>
@@ -1737,7 +1737,7 @@
           <a:p>
             <a:fld id="{CBF86CE6-94BC-4A90-A0DE-9B9BCF31088B}" type="datetime1">
               <a:rPr lang="ko-KR" altLang="en-US" smtClean="0"/>
-              <a:t>2018-09-27</a:t>
+              <a:t>2018-10-24</a:t>
             </a:fld>
             <a:endParaRPr lang="ko-KR" altLang="en-US" dirty="0"/>
           </a:p>
@@ -2027,7 +2027,7 @@
           <a:p>
             <a:fld id="{44C6C067-E69C-468F-A6A4-D0E290863A0A}" type="datetime1">
               <a:rPr lang="ko-KR" altLang="en-US" smtClean="0"/>
-              <a:t>2018-09-27</a:t>
+              <a:t>2018-10-24</a:t>
             </a:fld>
             <a:endParaRPr lang="ko-KR" altLang="en-US" dirty="0"/>
           </a:p>
@@ -2349,7 +2349,7 @@
           <a:p>
             <a:fld id="{52D7C12B-1715-4EB1-A995-7E9128224472}" type="datetime1">
               <a:rPr lang="ko-KR" altLang="en-US" smtClean="0"/>
-              <a:t>2018-09-27</a:t>
+              <a:t>2018-10-24</a:t>
             </a:fld>
             <a:endParaRPr lang="ko-KR" altLang="en-US" dirty="0"/>
           </a:p>
@@ -2851,7 +2851,7 @@
           <a:p>
             <a:fld id="{334A74FC-65CC-4A78-A9B5-B0A083CA434E}" type="datetime1">
               <a:rPr lang="ko-KR" altLang="en-US" smtClean="0"/>
-              <a:t>2018-09-27</a:t>
+              <a:t>2018-10-24</a:t>
             </a:fld>
             <a:endParaRPr lang="ko-KR" altLang="en-US" dirty="0"/>
           </a:p>
@@ -3493,7 +3493,7 @@
           <a:p>
             <a:fld id="{F089833F-471B-47BB-952B-AA715254CFC3}" type="datetime1">
               <a:rPr lang="ko-KR" altLang="en-US" noProof="0" smtClean="0"/>
-              <a:t>2018-09-27</a:t>
+              <a:t>2018-10-24</a:t>
             </a:fld>
             <a:endParaRPr lang="ko-KR" altLang="en-US" noProof="0" dirty="0"/>
           </a:p>
@@ -3633,7 +3633,7 @@
           <a:p>
             <a:fld id="{90E7D78A-4BAC-4EEA-8342-61FC9D2F58B7}" type="datetime1">
               <a:rPr lang="ko-KR" altLang="en-US" smtClean="0"/>
-              <a:t>2018-09-27</a:t>
+              <a:t>2018-10-24</a:t>
             </a:fld>
             <a:endParaRPr lang="ko-KR" altLang="en-US" dirty="0"/>
           </a:p>
@@ -3794,7 +3794,7 @@
           <a:p>
             <a:fld id="{28506CB4-C810-432B-8802-550F9505EF5F}" type="datetime1">
               <a:rPr lang="ko-KR" altLang="en-US" smtClean="0"/>
-              <a:t>2018-09-27</a:t>
+              <a:t>2018-10-24</a:t>
             </a:fld>
             <a:endParaRPr lang="ko-KR" altLang="en-US" dirty="0"/>
           </a:p>
@@ -4196,7 +4196,7 @@
           <a:p>
             <a:fld id="{89312991-445D-4506-BB0A-85E2E8D3BA63}" type="datetime1">
               <a:rPr lang="ko-KR" altLang="en-US" smtClean="0"/>
-              <a:t>2018-09-27</a:t>
+              <a:t>2018-10-24</a:t>
             </a:fld>
             <a:endParaRPr lang="ko-KR" altLang="en-US" dirty="0"/>
           </a:p>
@@ -4493,7 +4493,7 @@
           <a:p>
             <a:fld id="{26FAB2A4-627D-483E-BEE5-F436ACEA6581}" type="datetime1">
               <a:rPr lang="ko-KR" altLang="en-US" smtClean="0"/>
-              <a:t>2018-09-27</a:t>
+              <a:t>2018-10-24</a:t>
             </a:fld>
             <a:endParaRPr lang="ko-KR" altLang="en-US" dirty="0"/>
           </a:p>
@@ -4808,7 +4808,7 @@
           <a:p>
             <a:fld id="{CCA0CCB6-7C2E-4D65-BF7C-DD1AAFDD3B38}" type="datetime1">
               <a:rPr lang="ko-KR" altLang="en-US" smtClean="0"/>
-              <a:t>2018-09-27</a:t>
+              <a:t>2018-10-24</a:t>
             </a:fld>
             <a:endParaRPr lang="ko-KR" altLang="en-US" dirty="0"/>
           </a:p>
@@ -5878,9 +5878,14 @@
               <a:t>다이렉트</a:t>
             </a:r>
             <a:r>
-              <a:rPr lang="en-US" altLang="ko-KR" dirty="0"/>
-              <a:t>X</a:t>
-            </a:r>
+              <a:rPr lang="en-US" altLang="ko-KR" dirty="0" smtClean="0"/>
+              <a:t>X </a:t>
+            </a:r>
+            <a:r>
+              <a:rPr lang="ko-KR" altLang="en-US" dirty="0" smtClean="0"/>
+              <a:t>사용 작품</a:t>
+            </a:r>
+            <a:endParaRPr lang="en-US" altLang="ko-KR" dirty="0"/>
           </a:p>
           <a:p>
             <a:pPr lvl="1"/>
@@ -5934,8 +5939,12 @@
           </a:p>
           <a:p>
             <a:r>
-              <a:rPr lang="ko-KR" altLang="en-US" dirty="0"/>
+              <a:rPr lang="ko-KR" altLang="en-US" dirty="0" err="1" smtClean="0"/>
               <a:t>유니티</a:t>
+            </a:r>
+            <a:r>
+              <a:rPr lang="ko-KR" altLang="en-US" dirty="0" smtClean="0"/>
+              <a:t> 사용 작품</a:t>
             </a:r>
             <a:endParaRPr lang="en-US" altLang="ko-KR" dirty="0"/>
           </a:p>
@@ -6172,12 +6181,12 @@
               <a:t>를 이용한 </a:t>
             </a:r>
             <a:r>
-              <a:rPr lang="en-US" altLang="ko-KR" sz="1200" dirty="0"/>
-              <a:t>5</a:t>
-            </a:r>
-            <a:r>
-              <a:rPr lang="ko-KR" altLang="en-US" sz="1200" dirty="0"/>
-              <a:t>인 </a:t>
+              <a:rPr lang="ko-KR" altLang="en-US" sz="1200" dirty="0" smtClean="0"/>
+              <a:t>멀티플레이</a:t>
+            </a:r>
+            <a:r>
+              <a:rPr lang="ko-KR" altLang="en-US" sz="1200" dirty="0" smtClean="0"/>
+              <a:t> </a:t>
             </a:r>
             <a:r>
               <a:rPr lang="en-US" altLang="ko-KR" sz="1200" dirty="0"/>
@@ -6824,7 +6833,7 @@
               <a:t>구현 </a:t>
             </a:r>
             <a:r>
-              <a:rPr lang="en-US" altLang="ko-KR" sz="1200" dirty="0">
+              <a:rPr lang="en-US" altLang="ko-KR" sz="1200" dirty="0" smtClean="0">
                 <a:solidFill>
                   <a:schemeClr val="accent5">
                     <a:lumMod val="40000"/>
@@ -6835,7 +6844,7 @@
               <a:t>/ </a:t>
             </a:r>
             <a:r>
-              <a:rPr lang="ko-KR" altLang="en-US" sz="1200" dirty="0">
+              <a:rPr lang="ko-KR" altLang="en-US" sz="1200" dirty="0" smtClean="0">
                 <a:solidFill>
                   <a:schemeClr val="accent5">
                     <a:lumMod val="40000"/>
@@ -6843,10 +6852,10 @@
                   </a:schemeClr>
                 </a:solidFill>
               </a:rPr>
-              <a:t>스킬 </a:t>
-            </a:r>
-            <a:r>
-              <a:rPr lang="en-US" altLang="ko-KR" sz="1200" dirty="0">
+              <a:t>캐릭터 스킬 </a:t>
+            </a:r>
+            <a:r>
+              <a:rPr lang="ko-KR" altLang="en-US" sz="1200" dirty="0">
                 <a:solidFill>
                   <a:schemeClr val="accent5">
                     <a:lumMod val="40000"/>
@@ -6854,18 +6863,7 @@
                   </a:schemeClr>
                 </a:solidFill>
               </a:rPr>
-              <a:t>4</a:t>
-            </a:r>
-            <a:r>
-              <a:rPr lang="ko-KR" altLang="en-US" sz="1200" dirty="0">
-                <a:solidFill>
-                  <a:schemeClr val="accent5">
-                    <a:lumMod val="40000"/>
-                    <a:lumOff val="60000"/>
-                  </a:schemeClr>
-                </a:solidFill>
-              </a:rPr>
-              <a:t>개 구현</a:t>
+              <a:t>구현</a:t>
             </a:r>
             <a:endParaRPr lang="en-US" altLang="ko-KR" sz="1200" dirty="0">
               <a:solidFill>
@@ -6899,7 +6897,15 @@
             </a:r>
             <a:r>
               <a:rPr lang="ko-KR" altLang="en-US" sz="1200" dirty="0"/>
-              <a:t>방식의 개인전 슈팅게임 입니다</a:t>
+              <a:t>방식의 개인전 </a:t>
+            </a:r>
+            <a:r>
+              <a:rPr lang="ko-KR" altLang="en-US" sz="1200" dirty="0" smtClean="0"/>
+              <a:t>온라인 슈팅게임 </a:t>
+            </a:r>
+            <a:r>
+              <a:rPr lang="ko-KR" altLang="en-US" sz="1200" dirty="0"/>
+              <a:t>입니다</a:t>
             </a:r>
             <a:r>
               <a:rPr lang="en-US" altLang="ko-KR" sz="1200" dirty="0"/>
@@ -7192,7 +7198,19 @@
             </a:r>
             <a:r>
               <a:rPr lang="ko-KR" altLang="en-US" sz="1200" dirty="0"/>
-              <a:t> 모두 강체들이 적용 되어있으며</a:t>
+              <a:t> 모두 </a:t>
+            </a:r>
+            <a:r>
+              <a:rPr lang="ko-KR" altLang="en-US" sz="1200" dirty="0" err="1" smtClean="0"/>
+              <a:t>강체가</a:t>
+            </a:r>
+            <a:r>
+              <a:rPr lang="ko-KR" altLang="en-US" sz="1200" dirty="0" smtClean="0"/>
+              <a:t> </a:t>
+            </a:r>
+            <a:r>
+              <a:rPr lang="ko-KR" altLang="en-US" sz="1200" dirty="0"/>
+              <a:t>적용 되어있으며</a:t>
             </a:r>
             <a:r>
               <a:rPr lang="en-US" altLang="ko-KR" sz="1200" dirty="0"/>
@@ -11405,15 +11423,6 @@
 </file>
 
 <file path=customXml/item2.xml><?xml version="1.0" encoding="utf-8"?>
-<?mso-contentType ?>
-<FormTemplates xmlns="http://schemas.microsoft.com/sharepoint/v3/contenttype/forms">
-  <Display>DocumentLibraryForm</Display>
-  <Edit>DocumentLibraryForm</Edit>
-  <New>DocumentLibraryForm</New>
-</FormTemplates>
-</file>
-
-<file path=customXml/item3.xml><?xml version="1.0" encoding="utf-8"?>
 <ct:contentTypeSchema xmlns:ct="http://schemas.microsoft.com/office/2006/metadata/contentType" xmlns:ma="http://schemas.microsoft.com/office/2006/metadata/properties/metaAttributes" ct:_="" ma:_="" ma:contentTypeName="Document" ma:contentTypeID="0x010100AA3F7D94069FF64A86F7DFF56D60E3BE" ma:contentTypeVersion="6" ma:contentTypeDescription="Create a new document." ma:contentTypeScope="" ma:versionID="c32302c77d4085ecf495bdddb7f5e889">
   <xsd:schema xmlns:xsd="http://www.w3.org/2001/XMLSchema" xmlns:xs="http://www.w3.org/2001/XMLSchema" xmlns:p="http://schemas.microsoft.com/office/2006/metadata/properties" xmlns:ns2="a4f35948-e619-41b3-aa29-22878b09cfd2" xmlns:ns3="40262f94-9f35-4ac3-9a90-690165a166b7" targetNamespace="http://schemas.microsoft.com/office/2006/metadata/properties" ma:root="true" ma:fieldsID="4ab5ae46be95f9d0be6107e8200be7a2" ns2:_="" ns3:_="">
     <xsd:import namespace="a4f35948-e619-41b3-aa29-22878b09cfd2"/>
@@ -11594,6 +11603,15 @@
 </ct:contentTypeSchema>
 </file>
 
+<file path=customXml/item3.xml><?xml version="1.0" encoding="utf-8"?>
+<?mso-contentType ?>
+<FormTemplates xmlns="http://schemas.microsoft.com/sharepoint/v3/contenttype/forms">
+  <Display>DocumentLibraryForm</Display>
+  <Edit>DocumentLibraryForm</Edit>
+  <New>DocumentLibraryForm</New>
+</FormTemplates>
+</file>
+
 <file path=customXml/itemProps1.xml><?xml version="1.0" encoding="utf-8"?>
 <ds:datastoreItem xmlns:ds="http://schemas.openxmlformats.org/officeDocument/2006/customXml" ds:itemID="{40B0D886-CB8D-4564-A797-C05BC7D513A8}">
   <ds:schemaRefs>
@@ -11612,14 +11630,6 @@
 </file>
 
 <file path=customXml/itemProps2.xml><?xml version="1.0" encoding="utf-8"?>
-<ds:datastoreItem xmlns:ds="http://schemas.openxmlformats.org/officeDocument/2006/customXml" ds:itemID="{FAC2023F-644C-4F7E-8E8C-CDBE4A63C7D1}">
-  <ds:schemaRefs>
-    <ds:schemaRef ds:uri="http://schemas.microsoft.com/sharepoint/v3/contenttype/forms"/>
-  </ds:schemaRefs>
-</ds:datastoreItem>
-</file>
-
-<file path=customXml/itemProps3.xml><?xml version="1.0" encoding="utf-8"?>
 <ds:datastoreItem xmlns:ds="http://schemas.openxmlformats.org/officeDocument/2006/customXml" ds:itemID="{ED65A2C9-CB67-4F36-A412-EEC1AD297F3A}">
   <ds:schemaRefs>
     <ds:schemaRef ds:uri="http://schemas.microsoft.com/office/2006/metadata/contentType"/>
@@ -11636,4 +11646,12 @@
     <ds:schemaRef ds:uri="http://schemas.microsoft.com/internal/obd"/>
   </ds:schemaRefs>
 </ds:datastoreItem>
+</file>
+
+<file path=customXml/itemProps3.xml><?xml version="1.0" encoding="utf-8"?>
+<ds:datastoreItem xmlns:ds="http://schemas.openxmlformats.org/officeDocument/2006/customXml" ds:itemID="{FAC2023F-644C-4F7E-8E8C-CDBE4A63C7D1}">
+  <ds:schemaRefs>
+    <ds:schemaRef ds:uri="http://schemas.microsoft.com/sharepoint/v3/contenttype/forms"/>
+  </ds:schemaRefs>
+</ds:datastoreItem>
 </file>